--- a/content/NSW SharePoint Community - December 2016 - Serverless integration.pptx
+++ b/content/NSW SharePoint Community - December 2016 - Serverless integration.pptx
@@ -3457,7 +3457,7 @@
           <a:p>
             <a:fld id="{01AADAA8-455E-4E83-ACFD-3ACD3DDB7D21}" type="datetimeFigureOut">
               <a:rPr lang="en-US" smtClean="0"/>
-              <a:t>12/8/2016</a:t>
+              <a:t>12/12/2016</a:t>
             </a:fld>
             <a:endParaRPr lang="en-US"/>
           </a:p>
@@ -4656,7 +4656,7 @@
               <a:pPr>
                 <a:defRPr/>
               </a:pPr>
-              <a:t>8/12/2016</a:t>
+              <a:t>12/12/2016</a:t>
             </a:fld>
             <a:endParaRPr lang="en-AU" dirty="0"/>
           </a:p>
@@ -7076,6 +7076,46 @@
           </a:p>
         </p:txBody>
       </p:sp>
+      <p:sp>
+        <p:nvSpPr>
+          <p:cNvPr id="3" name="TextBox 2"/>
+          <p:cNvSpPr txBox="1"/>
+          <p:nvPr/>
+        </p:nvSpPr>
+        <p:spPr>
+          <a:xfrm>
+            <a:off x="9108831" y="6207369"/>
+            <a:ext cx="2405595" cy="369332"/>
+          </a:xfrm>
+          <a:prstGeom prst="rect">
+            <a:avLst/>
+          </a:prstGeom>
+          <a:noFill/>
+        </p:spPr>
+        <p:txBody>
+          <a:bodyPr wrap="none" rtlCol="0">
+            <a:spAutoFit/>
+          </a:bodyPr>
+          <a:lstStyle/>
+          <a:p>
+            <a:r>
+              <a:rPr lang="en-US" dirty="0"/>
+              <a:t>b</a:t>
+            </a:r>
+            <a:r>
+              <a:rPr lang="en-US" dirty="0" smtClean="0"/>
+              <a:t>y </a:t>
+            </a:r>
+            <a:r>
+              <a:rPr lang="en-US" dirty="0" smtClean="0">
+                <a:hlinkClick r:id="rId2"/>
+              </a:rPr>
+              <a:t>Oleksii Udovychenko</a:t>
+            </a:r>
+            <a:endParaRPr lang="en-US" dirty="0"/>
+          </a:p>
+        </p:txBody>
+      </p:sp>
     </p:spTree>
     <p:extLst>
       <p:ext uri="{BB962C8B-B14F-4D97-AF65-F5344CB8AC3E}">
@@ -9628,13 +9668,8 @@
             </a:pPr>
             <a:r>
               <a:rPr lang="en-US" dirty="0" smtClean="0"/>
-              <a:t>I </a:t>
-            </a:r>
-            <a:r>
-              <a:rPr lang="en-US" dirty="0" smtClean="0"/>
-              <a:t>tried to use this concept in order to create a solution that will visualize data from the SharePoint list on a page. </a:t>
-            </a:r>
-            <a:endParaRPr lang="en-US" dirty="0" smtClean="0"/>
+              <a:t>I tried to use this concept in order to create a solution that will visualize data from the SharePoint list on a page. </a:t>
+            </a:r>
           </a:p>
           <a:p>
             <a:pPr marL="0" indent="0">
@@ -9648,11 +9683,7 @@
             </a:pPr>
             <a:r>
               <a:rPr lang="en-US" dirty="0" smtClean="0"/>
-              <a:t>It </a:t>
-            </a:r>
-            <a:r>
-              <a:rPr lang="en-US" dirty="0" smtClean="0"/>
-              <a:t>sounds simple, but I intentionally over-engineered it for the presentation.</a:t>
+              <a:t>It sounds simple, but I intentionally over-engineered it for the presentation.</a:t>
             </a:r>
             <a:endParaRPr lang="en-US" dirty="0"/>
           </a:p>
